--- a/aspnetcore/slides/03_configuration.pptx
+++ b/aspnetcore/slides/03_configuration.pptx
@@ -1023,47 +1023,6 @@
           </a:p>
         </p:txBody>
       </p:sp>
-      <p:pic>
-        <p:nvPicPr>
-          <p:cNvPr id="9" name="Picture 6" descr="http://www.odetocode.com/">
-            <a:hlinkClick r:id="rId2"/>
-          </p:cNvPr>
-          <p:cNvPicPr>
-            <a:picLocks noChangeAspect="1" noChangeArrowheads="1"/>
-          </p:cNvPicPr>
-          <p:nvPr userDrawn="1"/>
-        </p:nvPicPr>
-        <p:blipFill>
-          <a:blip r:embed="rId3"/>
-          <a:srcRect r="26934"/>
-          <a:stretch>
-            <a:fillRect/>
-          </a:stretch>
-        </p:blipFill>
-        <p:spPr bwMode="auto">
-          <a:xfrm>
-            <a:off x="7620000" y="6248400"/>
-            <a:ext cx="1295400" cy="439103"/>
-          </a:xfrm>
-          <a:prstGeom prst="rect">
-            <a:avLst/>
-          </a:prstGeom>
-          <a:ln w="38100" cap="sq">
-            <a:solidFill>
-              <a:srgbClr val="000000"/>
-            </a:solidFill>
-            <a:prstDash val="solid"/>
-            <a:miter lim="800000"/>
-          </a:ln>
-          <a:effectLst>
-            <a:outerShdw blurRad="50800" dist="38100" dir="2700000" algn="tl" rotWithShape="0">
-              <a:srgbClr val="000000">
-                <a:alpha val="43000"/>
-              </a:srgbClr>
-            </a:outerShdw>
-          </a:effectLst>
-        </p:spPr>
-      </p:pic>
     </p:spTree>
     <p:extLst>
       <p:ext uri="{BB962C8B-B14F-4D97-AF65-F5344CB8AC3E}">

--- a/aspnetcore/slides/03_configuration.pptx
+++ b/aspnetcore/slides/03_configuration.pptx
@@ -5,10 +5,10 @@
     <p:sldMasterId id="2147483772" r:id="rId1"/>
   </p:sldMasterIdLst>
   <p:notesMasterIdLst>
-    <p:notesMasterId r:id="rId13"/>
+    <p:notesMasterId r:id="rId12"/>
   </p:notesMasterIdLst>
   <p:handoutMasterIdLst>
-    <p:handoutMasterId r:id="rId14"/>
+    <p:handoutMasterId r:id="rId13"/>
   </p:handoutMasterIdLst>
   <p:sldIdLst>
     <p:sldId id="327" r:id="rId2"/>
@@ -19,9 +19,8 @@
     <p:sldId id="342" r:id="rId7"/>
     <p:sldId id="340" r:id="rId8"/>
     <p:sldId id="343" r:id="rId9"/>
-    <p:sldId id="336" r:id="rId10"/>
-    <p:sldId id="337" r:id="rId11"/>
-    <p:sldId id="341" r:id="rId12"/>
+    <p:sldId id="337" r:id="rId10"/>
+    <p:sldId id="341" r:id="rId11"/>
   </p:sldIdLst>
   <p:sldSz cx="9144000" cy="6858000" type="screen4x3"/>
   <p:notesSz cx="7302500" cy="9588500"/>
@@ -163,7 +162,6 @@
             <p14:sldId id="342"/>
             <p14:sldId id="340"/>
             <p14:sldId id="343"/>
-            <p14:sldId id="336"/>
             <p14:sldId id="337"/>
             <p14:sldId id="341"/>
           </p14:sldIdLst>
@@ -293,7 +291,7 @@
               <a:pPr>
                 <a:defRPr/>
               </a:pPr>
-              <a:t>10/20/2018</a:t>
+              <a:t>8/29/2019</a:t>
             </a:fld>
             <a:endParaRPr lang="en-US"/>
           </a:p>
@@ -2792,135 +2790,6 @@
           <a:p>
             <a:r>
               <a:rPr lang="en-US" dirty="0"/>
-              <a:t>Custom Configuration Providers</a:t>
-            </a:r>
-          </a:p>
-        </p:txBody>
-      </p:sp>
-      <p:sp>
-        <p:nvSpPr>
-          <p:cNvPr id="3" name="Text Placeholder 2"/>
-          <p:cNvSpPr>
-            <a:spLocks noGrp="1"/>
-          </p:cNvSpPr>
-          <p:nvPr>
-            <p:ph type="body" idx="1"/>
-          </p:nvPr>
-        </p:nvSpPr>
-        <p:spPr/>
-        <p:txBody>
-          <a:bodyPr/>
-          <a:lstStyle/>
-          <a:p>
-            <a:r>
-              <a:rPr lang="en-US" dirty="0"/>
-              <a:t>Implement </a:t>
-            </a:r>
-            <a:r>
-              <a:rPr lang="en-US" dirty="0" err="1"/>
-              <a:t>IConfigurationSource</a:t>
-            </a:r>
-            <a:endParaRPr lang="en-US" dirty="0"/>
-          </a:p>
-          <a:p>
-            <a:pPr lvl="1"/>
-            <a:r>
-              <a:rPr lang="en-US" dirty="0"/>
-              <a:t>Load, Set, </a:t>
-            </a:r>
-            <a:r>
-              <a:rPr lang="en-US" dirty="0" err="1"/>
-              <a:t>TryGet</a:t>
-            </a:r>
-            <a:endParaRPr lang="en-US" dirty="0"/>
-          </a:p>
-          <a:p>
-            <a:r>
-              <a:rPr lang="en-US" dirty="0"/>
-              <a:t>Or, inherit from </a:t>
-            </a:r>
-            <a:r>
-              <a:rPr lang="en-US" dirty="0" err="1"/>
-              <a:t>ConfigurationSource</a:t>
-            </a:r>
-            <a:endParaRPr lang="en-US" dirty="0"/>
-          </a:p>
-        </p:txBody>
-      </p:sp>
-      <p:pic>
-        <p:nvPicPr>
-          <p:cNvPr id="4" name="Picture 3"/>
-          <p:cNvPicPr>
-            <a:picLocks noChangeAspect="1"/>
-          </p:cNvPicPr>
-          <p:nvPr/>
-        </p:nvPicPr>
-        <p:blipFill>
-          <a:blip r:embed="rId2"/>
-          <a:stretch>
-            <a:fillRect/>
-          </a:stretch>
-        </p:blipFill>
-        <p:spPr>
-          <a:xfrm>
-            <a:off x="1600200" y="2743200"/>
-            <a:ext cx="6067425" cy="3438525"/>
-          </a:xfrm>
-          <a:prstGeom prst="rect">
-            <a:avLst/>
-          </a:prstGeom>
-        </p:spPr>
-      </p:pic>
-    </p:spTree>
-    <p:extLst>
-      <p:ext uri="{BB962C8B-B14F-4D97-AF65-F5344CB8AC3E}">
-        <p14:creationId xmlns:p14="http://schemas.microsoft.com/office/powerpoint/2010/main" val="2830703332"/>
-      </p:ext>
-    </p:extLst>
-  </p:cSld>
-  <p:clrMapOvr>
-    <a:masterClrMapping/>
-  </p:clrMapOvr>
-  <p:transition>
-    <p:fade/>
-  </p:transition>
-</p:sld>
-</file>
-
-<file path=ppt/slides/slide11.xml><?xml version="1.0" encoding="utf-8"?>
-<p:sld xmlns:a="http://schemas.openxmlformats.org/drawingml/2006/main" xmlns:r="http://schemas.openxmlformats.org/officeDocument/2006/relationships" xmlns:p="http://schemas.openxmlformats.org/presentationml/2006/main">
-  <p:cSld>
-    <p:spTree>
-      <p:nvGrpSpPr>
-        <p:cNvPr id="1" name=""/>
-        <p:cNvGrpSpPr/>
-        <p:nvPr/>
-      </p:nvGrpSpPr>
-      <p:grpSpPr>
-        <a:xfrm>
-          <a:off x="0" y="0"/>
-          <a:ext cx="0" cy="0"/>
-          <a:chOff x="0" y="0"/>
-          <a:chExt cx="0" cy="0"/>
-        </a:xfrm>
-      </p:grpSpPr>
-      <p:sp>
-        <p:nvSpPr>
-          <p:cNvPr id="2" name="Title 1"/>
-          <p:cNvSpPr>
-            <a:spLocks noGrp="1"/>
-          </p:cNvSpPr>
-          <p:nvPr>
-            <p:ph type="title"/>
-          </p:nvPr>
-        </p:nvSpPr>
-        <p:spPr/>
-        <p:txBody>
-          <a:bodyPr/>
-          <a:lstStyle/>
-          <a:p>
-            <a:r>
-              <a:rPr lang="en-US" dirty="0"/>
               <a:t>Summary</a:t>
             </a:r>
           </a:p>
@@ -4066,7 +3935,7 @@
           <a:p>
             <a:r>
               <a:rPr lang="en-US" dirty="0"/>
-              <a:t>More Sophisticated: Options&lt;T&gt;</a:t>
+              <a:t>Custom Configuration Providers</a:t>
             </a:r>
           </a:p>
         </p:txBody>
@@ -4087,45 +3956,36 @@
           <a:lstStyle/>
           <a:p>
             <a:r>
-              <a:rPr lang="en-US"/>
-              <a:t>Injectable options</a:t>
-            </a:r>
-          </a:p>
-          <a:p>
-            <a:r>
               <a:rPr lang="en-US" dirty="0"/>
-              <a:t>Lazy loading</a:t>
-            </a:r>
-          </a:p>
-          <a:p>
+              <a:t>Implement </a:t>
+            </a:r>
+            <a:r>
+              <a:rPr lang="en-US" dirty="0" err="1"/>
+              <a:t>IConfigurationSource</a:t>
+            </a:r>
+            <a:endParaRPr lang="en-US" dirty="0"/>
+          </a:p>
+          <a:p>
+            <a:pPr lvl="1"/>
             <a:r>
               <a:rPr lang="en-US" dirty="0"/>
-              <a:t>Supports named options (</a:t>
+              <a:t>Load, Set, </a:t>
             </a:r>
             <a:r>
               <a:rPr lang="en-US" dirty="0" err="1"/>
-              <a:t>IConfigureNamedOptions</a:t>
-            </a:r>
+              <a:t>TryGet</a:t>
+            </a:r>
+            <a:endParaRPr lang="en-US" dirty="0"/>
+          </a:p>
+          <a:p>
             <a:r>
               <a:rPr lang="en-US" dirty="0"/>
-              <a:t>)</a:t>
-            </a:r>
-          </a:p>
-          <a:p>
-            <a:r>
-              <a:rPr lang="en-US" dirty="0"/>
-              <a:t>Supports reloading configuration (</a:t>
+              <a:t>Or, inherit from </a:t>
             </a:r>
             <a:r>
               <a:rPr lang="en-US" dirty="0" err="1"/>
-              <a:t>IOptionsSnapshot</a:t>
-            </a:r>
-            <a:r>
-              <a:rPr lang="en-US" dirty="0"/>
-              <a:t>)</a:t>
-            </a:r>
-          </a:p>
-          <a:p>
+              <a:t>ConfigurationSource</a:t>
+            </a:r>
             <a:endParaRPr lang="en-US" dirty="0"/>
           </a:p>
         </p:txBody>
@@ -4146,8 +4006,8 @@
         </p:blipFill>
         <p:spPr>
           <a:xfrm>
-            <a:off x="933450" y="3505200"/>
-            <a:ext cx="7277100" cy="1343025"/>
+            <a:off x="1600200" y="2743200"/>
+            <a:ext cx="6067425" cy="3438525"/>
           </a:xfrm>
           <a:prstGeom prst="rect">
             <a:avLst/>
@@ -4157,7 +4017,7 @@
     </p:spTree>
     <p:extLst>
       <p:ext uri="{BB962C8B-B14F-4D97-AF65-F5344CB8AC3E}">
-        <p14:creationId xmlns:p14="http://schemas.microsoft.com/office/powerpoint/2010/main" val="3444823141"/>
+        <p14:creationId xmlns:p14="http://schemas.microsoft.com/office/powerpoint/2010/main" val="2830703332"/>
       </p:ext>
     </p:extLst>
   </p:cSld>

--- a/aspnetcore/slides/03_configuration.pptx
+++ b/aspnetcore/slides/03_configuration.pptx
@@ -5,10 +5,10 @@
     <p:sldMasterId id="2147483772" r:id="rId1"/>
   </p:sldMasterIdLst>
   <p:notesMasterIdLst>
-    <p:notesMasterId r:id="rId12"/>
+    <p:notesMasterId r:id="rId13"/>
   </p:notesMasterIdLst>
   <p:handoutMasterIdLst>
-    <p:handoutMasterId r:id="rId13"/>
+    <p:handoutMasterId r:id="rId14"/>
   </p:handoutMasterIdLst>
   <p:sldIdLst>
     <p:sldId id="327" r:id="rId2"/>
@@ -19,8 +19,9 @@
     <p:sldId id="342" r:id="rId7"/>
     <p:sldId id="340" r:id="rId8"/>
     <p:sldId id="343" r:id="rId9"/>
-    <p:sldId id="337" r:id="rId10"/>
-    <p:sldId id="341" r:id="rId11"/>
+    <p:sldId id="344" r:id="rId10"/>
+    <p:sldId id="337" r:id="rId11"/>
+    <p:sldId id="341" r:id="rId12"/>
   </p:sldIdLst>
   <p:sldSz cx="9144000" cy="6858000" type="screen4x3"/>
   <p:notesSz cx="7302500" cy="9588500"/>
@@ -162,6 +163,7 @@
             <p14:sldId id="342"/>
             <p14:sldId id="340"/>
             <p14:sldId id="343"/>
+            <p14:sldId id="344"/>
             <p14:sldId id="337"/>
             <p14:sldId id="341"/>
           </p14:sldIdLst>
@@ -291,7 +293,7 @@
               <a:pPr>
                 <a:defRPr/>
               </a:pPr>
-              <a:t>8/29/2019</a:t>
+              <a:t>8/31/2019</a:t>
             </a:fld>
             <a:endParaRPr lang="en-US"/>
           </a:p>
@@ -2790,6 +2792,135 @@
           <a:p>
             <a:r>
               <a:rPr lang="en-US" dirty="0"/>
+              <a:t>Custom Configuration Providers</a:t>
+            </a:r>
+          </a:p>
+        </p:txBody>
+      </p:sp>
+      <p:sp>
+        <p:nvSpPr>
+          <p:cNvPr id="3" name="Text Placeholder 2"/>
+          <p:cNvSpPr>
+            <a:spLocks noGrp="1"/>
+          </p:cNvSpPr>
+          <p:nvPr>
+            <p:ph type="body" idx="1"/>
+          </p:nvPr>
+        </p:nvSpPr>
+        <p:spPr/>
+        <p:txBody>
+          <a:bodyPr/>
+          <a:lstStyle/>
+          <a:p>
+            <a:r>
+              <a:rPr lang="en-US" dirty="0"/>
+              <a:t>Implement </a:t>
+            </a:r>
+            <a:r>
+              <a:rPr lang="en-US" dirty="0" err="1"/>
+              <a:t>IConfigurationSource</a:t>
+            </a:r>
+            <a:endParaRPr lang="en-US" dirty="0"/>
+          </a:p>
+          <a:p>
+            <a:pPr lvl="1"/>
+            <a:r>
+              <a:rPr lang="en-US" dirty="0"/>
+              <a:t>Load, Set, </a:t>
+            </a:r>
+            <a:r>
+              <a:rPr lang="en-US" dirty="0" err="1"/>
+              <a:t>TryGet</a:t>
+            </a:r>
+            <a:endParaRPr lang="en-US" dirty="0"/>
+          </a:p>
+          <a:p>
+            <a:r>
+              <a:rPr lang="en-US" dirty="0"/>
+              <a:t>Or, inherit from </a:t>
+            </a:r>
+            <a:r>
+              <a:rPr lang="en-US" dirty="0" err="1"/>
+              <a:t>ConfigurationSource</a:t>
+            </a:r>
+            <a:endParaRPr lang="en-US" dirty="0"/>
+          </a:p>
+        </p:txBody>
+      </p:sp>
+      <p:pic>
+        <p:nvPicPr>
+          <p:cNvPr id="4" name="Picture 3"/>
+          <p:cNvPicPr>
+            <a:picLocks noChangeAspect="1"/>
+          </p:cNvPicPr>
+          <p:nvPr/>
+        </p:nvPicPr>
+        <p:blipFill>
+          <a:blip r:embed="rId2"/>
+          <a:stretch>
+            <a:fillRect/>
+          </a:stretch>
+        </p:blipFill>
+        <p:spPr>
+          <a:xfrm>
+            <a:off x="1600200" y="2743200"/>
+            <a:ext cx="6067425" cy="3438525"/>
+          </a:xfrm>
+          <a:prstGeom prst="rect">
+            <a:avLst/>
+          </a:prstGeom>
+        </p:spPr>
+      </p:pic>
+    </p:spTree>
+    <p:extLst>
+      <p:ext uri="{BB962C8B-B14F-4D97-AF65-F5344CB8AC3E}">
+        <p14:creationId xmlns:p14="http://schemas.microsoft.com/office/powerpoint/2010/main" val="2830703332"/>
+      </p:ext>
+    </p:extLst>
+  </p:cSld>
+  <p:clrMapOvr>
+    <a:masterClrMapping/>
+  </p:clrMapOvr>
+  <p:transition>
+    <p:fade/>
+  </p:transition>
+</p:sld>
+</file>
+
+<file path=ppt/slides/slide11.xml><?xml version="1.0" encoding="utf-8"?>
+<p:sld xmlns:a="http://schemas.openxmlformats.org/drawingml/2006/main" xmlns:r="http://schemas.openxmlformats.org/officeDocument/2006/relationships" xmlns:p="http://schemas.openxmlformats.org/presentationml/2006/main">
+  <p:cSld>
+    <p:spTree>
+      <p:nvGrpSpPr>
+        <p:cNvPr id="1" name=""/>
+        <p:cNvGrpSpPr/>
+        <p:nvPr/>
+      </p:nvGrpSpPr>
+      <p:grpSpPr>
+        <a:xfrm>
+          <a:off x="0" y="0"/>
+          <a:ext cx="0" cy="0"/>
+          <a:chOff x="0" y="0"/>
+          <a:chExt cx="0" cy="0"/>
+        </a:xfrm>
+      </p:grpSpPr>
+      <p:sp>
+        <p:nvSpPr>
+          <p:cNvPr id="2" name="Title 1"/>
+          <p:cNvSpPr>
+            <a:spLocks noGrp="1"/>
+          </p:cNvSpPr>
+          <p:nvPr>
+            <p:ph type="title"/>
+          </p:nvPr>
+        </p:nvSpPr>
+        <p:spPr/>
+        <p:txBody>
+          <a:bodyPr/>
+          <a:lstStyle/>
+          <a:p>
+            <a:r>
+              <a:rPr lang="en-US" dirty="0"/>
               <a:t>Summary</a:t>
             </a:r>
           </a:p>
@@ -3920,7 +4051,13 @@
       </p:grpSpPr>
       <p:sp>
         <p:nvSpPr>
-          <p:cNvPr id="2" name="Title 1"/>
+          <p:cNvPr id="2" name="Title 1">
+            <a:extLst>
+              <a:ext uri="{FF2B5EF4-FFF2-40B4-BE49-F238E27FC236}">
+                <a16:creationId xmlns:a16="http://schemas.microsoft.com/office/drawing/2014/main" id="{1CC034FD-5C0E-44A5-BAB2-B991A9AB72A7}"/>
+              </a:ext>
+            </a:extLst>
+          </p:cNvPr>
           <p:cNvSpPr>
             <a:spLocks noGrp="1"/>
           </p:cNvSpPr>
@@ -3935,14 +4072,20 @@
           <a:p>
             <a:r>
               <a:rPr lang="en-US" dirty="0"/>
-              <a:t>Custom Configuration Providers</a:t>
+              <a:t>Configuration as a Service</a:t>
             </a:r>
           </a:p>
         </p:txBody>
       </p:sp>
       <p:sp>
         <p:nvSpPr>
-          <p:cNvPr id="3" name="Text Placeholder 2"/>
+          <p:cNvPr id="3" name="Text Placeholder 2">
+            <a:extLst>
+              <a:ext uri="{FF2B5EF4-FFF2-40B4-BE49-F238E27FC236}">
+                <a16:creationId xmlns:a16="http://schemas.microsoft.com/office/drawing/2014/main" id="{0CD4733A-57C0-405B-BC1B-77C566DAF241}"/>
+              </a:ext>
+            </a:extLst>
+          </p:cNvPr>
           <p:cNvSpPr>
             <a:spLocks noGrp="1"/>
           </p:cNvSpPr>
@@ -3955,44 +4098,19 @@
           <a:bodyPr/>
           <a:lstStyle/>
           <a:p>
-            <a:r>
-              <a:rPr lang="en-US" dirty="0"/>
-              <a:t>Implement </a:t>
-            </a:r>
-            <a:r>
-              <a:rPr lang="en-US" dirty="0" err="1"/>
-              <a:t>IConfigurationSource</a:t>
-            </a:r>
-            <a:endParaRPr lang="en-US" dirty="0"/>
-          </a:p>
-          <a:p>
-            <a:pPr lvl="1"/>
-            <a:r>
-              <a:rPr lang="en-US" dirty="0"/>
-              <a:t>Load, Set, </a:t>
-            </a:r>
-            <a:r>
-              <a:rPr lang="en-US" dirty="0" err="1"/>
-              <a:t>TryGet</a:t>
-            </a:r>
-            <a:endParaRPr lang="en-US" dirty="0"/>
-          </a:p>
-          <a:p>
-            <a:r>
-              <a:rPr lang="en-US" dirty="0"/>
-              <a:t>Or, inherit from </a:t>
-            </a:r>
-            <a:r>
-              <a:rPr lang="en-US" dirty="0" err="1"/>
-              <a:t>ConfigurationSource</a:t>
-            </a:r>
             <a:endParaRPr lang="en-US" dirty="0"/>
           </a:p>
         </p:txBody>
       </p:sp>
       <p:pic>
         <p:nvPicPr>
-          <p:cNvPr id="4" name="Picture 3"/>
+          <p:cNvPr id="5" name="Picture 4">
+            <a:extLst>
+              <a:ext uri="{FF2B5EF4-FFF2-40B4-BE49-F238E27FC236}">
+                <a16:creationId xmlns:a16="http://schemas.microsoft.com/office/drawing/2014/main" id="{1E134E3E-2FFF-4200-BFA4-79305D7FF3BB}"/>
+              </a:ext>
+            </a:extLst>
+          </p:cNvPr>
           <p:cNvPicPr>
             <a:picLocks noChangeAspect="1"/>
           </p:cNvPicPr>
@@ -4006,8 +4124,8 @@
         </p:blipFill>
         <p:spPr>
           <a:xfrm>
-            <a:off x="1600200" y="2743200"/>
-            <a:ext cx="6067425" cy="3438525"/>
+            <a:off x="1647674" y="2143059"/>
+            <a:ext cx="5848651" cy="2571882"/>
           </a:xfrm>
           <a:prstGeom prst="rect">
             <a:avLst/>
@@ -4017,7 +4135,7 @@
     </p:spTree>
     <p:extLst>
       <p:ext uri="{BB962C8B-B14F-4D97-AF65-F5344CB8AC3E}">
-        <p14:creationId xmlns:p14="http://schemas.microsoft.com/office/powerpoint/2010/main" val="2830703332"/>
+        <p14:creationId xmlns:p14="http://schemas.microsoft.com/office/powerpoint/2010/main" val="1113808569"/>
       </p:ext>
     </p:extLst>
   </p:cSld>
